--- a/genNode/doc/Apresentação.pptx
+++ b/genNode/doc/Apresentação.pptx
@@ -6009,7 +6009,7 @@
                 <a:cs typeface="Calibri"/>
                 <a:sym typeface="Calibri"/>
               </a:rPr>
-              <a:t>Velocidade = {tempo: 6ms}</a:t>
+              <a:t>Velocidade = {tempo: 6s}</a:t>
             </a:r>
           </a:p>
           <a:p>
@@ -6264,6 +6264,99 @@
               </a:rPr>
               <a:t>usando ES6, funcionalidades de tipo, autocomplete, documentação, refactoring e debug funcionam muito bem e de forma integrada</a:t>
             </a:r>
+          </a:p>
+        </p:txBody>
+      </p:sp>
+      <p:sp>
+        <p:nvSpPr>
+          <p:cNvPr id="210" name="Shape 210"/>
+          <p:cNvSpPr txBox="1"/>
+          <p:nvPr/>
+        </p:nvSpPr>
+        <p:spPr>
+          <a:xfrm>
+            <a:off x="5409000" y="869175"/>
+            <a:ext cx="3322800" cy="322500"/>
+          </a:xfrm>
+          <a:prstGeom prst="rect">
+            <a:avLst/>
+          </a:prstGeom>
+          <a:noFill/>
+          <a:ln>
+            <a:noFill/>
+          </a:ln>
+        </p:spPr>
+        <p:txBody>
+          <a:bodyPr anchorCtr="0" anchor="ctr" bIns="91425" lIns="91425" rIns="91425" tIns="91425">
+            <a:noAutofit/>
+          </a:bodyPr>
+          <a:lstStyle/>
+          <a:p>
+            <a:pPr lvl="0" rtl="0">
+              <a:spcBef>
+                <a:spcPts val="0"/>
+              </a:spcBef>
+              <a:buNone/>
+            </a:pPr>
+            <a:r>
+              <a:rPr lang="pt-BR" sz="1200">
+                <a:solidFill>
+                  <a:srgbClr val="38761D"/>
+                </a:solidFill>
+                <a:latin typeface="Calibri"/>
+                <a:ea typeface="Calibri"/>
+                <a:cs typeface="Calibri"/>
+                <a:sym typeface="Calibri"/>
+              </a:rPr>
+              <a:t>100 gerações de 100 indivíduos</a:t>
+            </a:r>
+          </a:p>
+        </p:txBody>
+      </p:sp>
+      <p:sp>
+        <p:nvSpPr>
+          <p:cNvPr id="211" name="Shape 211"/>
+          <p:cNvSpPr/>
+          <p:nvPr/>
+        </p:nvSpPr>
+        <p:spPr>
+          <a:xfrm>
+            <a:off x="5173550" y="726675"/>
+            <a:ext cx="84900" cy="607500"/>
+          </a:xfrm>
+          <a:prstGeom prst="rightBrace">
+            <a:avLst>
+              <a:gd fmla="val 8333" name="adj1"/>
+              <a:gd fmla="val 50000" name="adj2"/>
+            </a:avLst>
+          </a:prstGeom>
+          <a:noFill/>
+          <a:ln cap="flat" cmpd="sng" w="9525">
+            <a:solidFill>
+              <a:schemeClr val="dk2"/>
+            </a:solidFill>
+            <a:prstDash val="solid"/>
+            <a:round/>
+            <a:headEnd len="med" w="med" type="none"/>
+            <a:tailEnd len="med" w="med" type="none"/>
+          </a:ln>
+        </p:spPr>
+        <p:txBody>
+          <a:bodyPr anchorCtr="0" anchor="ctr" bIns="91425" lIns="91425" rIns="91425" tIns="91425">
+            <a:noAutofit/>
+          </a:bodyPr>
+          <a:lstStyle/>
+          <a:p>
+            <a:pPr lvl="0">
+              <a:spcBef>
+                <a:spcPts val="0"/>
+              </a:spcBef>
+              <a:buNone/>
+            </a:pPr>
+            <a:r>
+              <a:t/>
+            </a:r>
+            <a:endParaRPr/>
           </a:p>
         </p:txBody>
       </p:sp>
@@ -9739,7 +9832,7 @@
             <a:tbl>
               <a:tblPr>
                 <a:noFill/>
-                <a:tableStyleId>{6B3370A8-13C1-44DD-9C5A-2B12E3C78CFA}</a:tableStyleId>
+                <a:tableStyleId>{2FB2A82D-7678-462C-8E1A-DD18E8987783}</a:tableStyleId>
               </a:tblPr>
               <a:tblGrid>
                 <a:gridCol w="481950"/>
@@ -12645,7 +12738,7 @@
             <a:tbl>
               <a:tblPr>
                 <a:noFill/>
-                <a:tableStyleId>{6B3370A8-13C1-44DD-9C5A-2B12E3C78CFA}</a:tableStyleId>
+                <a:tableStyleId>{2FB2A82D-7678-462C-8E1A-DD18E8987783}</a:tableStyleId>
               </a:tblPr>
               <a:tblGrid>
                 <a:gridCol w="244800"/>
@@ -15085,7 +15178,7 @@
             <a:tbl>
               <a:tblPr>
                 <a:noFill/>
-                <a:tableStyleId>{6B3370A8-13C1-44DD-9C5A-2B12E3C78CFA}</a:tableStyleId>
+                <a:tableStyleId>{2FB2A82D-7678-462C-8E1A-DD18E8987783}</a:tableStyleId>
               </a:tblPr>
               <a:tblGrid>
                 <a:gridCol w="244800"/>
